--- a/doc/02.07.2014 Meeting/DSTC2-02-07-2014.pptx
+++ b/doc/02.07.2014 Meeting/DSTC2-02-07-2014.pptx
@@ -6,7 +6,7 @@
     <p:sldMasterId id="2147483684" r:id="rId2"/>
   </p:sldMasterIdLst>
   <p:notesMasterIdLst>
-    <p:notesMasterId r:id="rId18"/>
+    <p:notesMasterId r:id="rId16"/>
   </p:notesMasterIdLst>
   <p:sldIdLst>
     <p:sldId id="256" r:id="rId3"/>
@@ -22,8 +22,6 @@
     <p:sldId id="289" r:id="rId13"/>
     <p:sldId id="294" r:id="rId14"/>
     <p:sldId id="295" r:id="rId15"/>
-    <p:sldId id="296" r:id="rId16"/>
-    <p:sldId id="298" r:id="rId17"/>
   </p:sldIdLst>
   <p:sldSz cx="9144000" cy="6858000" type="screen4x3"/>
   <p:notesSz cx="6858000" cy="9144000"/>
@@ -140,8 +138,6 @@
             <p14:sldId id="289"/>
             <p14:sldId id="294"/>
             <p14:sldId id="295"/>
-            <p14:sldId id="296"/>
-            <p14:sldId id="298"/>
           </p14:sldIdLst>
         </p14:section>
       </p14:sectionLst>
@@ -6727,11 +6723,7 @@
             </a:r>
             <a:r>
               <a:rPr lang="en-US" altLang="zh-CN" sz="2400" i="1" dirty="0" smtClean="0"/>
-              <a:t> </a:t>
-            </a:r>
-            <a:r>
-              <a:rPr lang="en-US" altLang="zh-CN" sz="2400" i="1" dirty="0" smtClean="0"/>
-              <a:t>Luo, Diane </a:t>
+              <a:t> Luo, Diane </a:t>
             </a:r>
             <a:r>
               <a:rPr lang="en-US" altLang="zh-CN" sz="2400" i="1" dirty="0" err="1" smtClean="0"/>
@@ -7367,6 +7359,62 @@
           </a:extLst>
         </p:spPr>
       </p:pic>
+      <p:sp>
+        <p:nvSpPr>
+          <p:cNvPr id="6" name="Rectangle 5"/>
+          <p:cNvSpPr/>
+          <p:nvPr/>
+        </p:nvSpPr>
+        <p:spPr>
+          <a:xfrm>
+            <a:off x="0" y="3717032"/>
+            <a:ext cx="8820472" cy="792088"/>
+          </a:xfrm>
+          <a:prstGeom prst="rect">
+            <a:avLst/>
+          </a:prstGeom>
+          <a:solidFill>
+            <a:schemeClr val="accent1">
+              <a:alpha val="20000"/>
+            </a:schemeClr>
+          </a:solidFill>
+        </p:spPr>
+        <p:style>
+          <a:lnRef idx="2">
+            <a:schemeClr val="accent1">
+              <a:shade val="50000"/>
+            </a:schemeClr>
+          </a:lnRef>
+          <a:fillRef idx="1">
+            <a:schemeClr val="accent1"/>
+          </a:fillRef>
+          <a:effectRef idx="0">
+            <a:schemeClr val="accent1"/>
+          </a:effectRef>
+          <a:fontRef idx="minor">
+            <a:schemeClr val="lt1"/>
+          </a:fontRef>
+        </p:style>
+        <p:txBody>
+          <a:bodyPr rtlCol="0" anchor="ctr"/>
+          <a:lstStyle/>
+          <a:p>
+            <a:r>
+              <a:rPr lang="en-US" dirty="0" smtClean="0">
+                <a:solidFill>
+                  <a:srgbClr val="00B0F0"/>
+                </a:solidFill>
+              </a:rPr>
+              <a:t>our team</a:t>
+            </a:r>
+            <a:endParaRPr lang="en-US" dirty="0">
+              <a:solidFill>
+                <a:srgbClr val="00B0F0"/>
+              </a:solidFill>
+            </a:endParaRPr>
+          </a:p>
+        </p:txBody>
+      </p:sp>
     </p:spTree>
     <p:extLst>
       <p:ext uri="{BB962C8B-B14F-4D97-AF65-F5344CB8AC3E}">
@@ -7535,484 +7583,6 @@
   <p:clrMapOvr>
     <a:masterClrMapping/>
   </p:clrMapOvr>
-  <p:timing>
-    <p:tnLst>
-      <p:par>
-        <p:cTn id="1" dur="indefinite" restart="never" nodeType="tmRoot"/>
-      </p:par>
-    </p:tnLst>
-  </p:timing>
-</p:sld>
-</file>
-
-<file path=ppt/slides/slide14.xml><?xml version="1.0" encoding="utf-8"?>
-<p:sld xmlns:a="http://schemas.openxmlformats.org/drawingml/2006/main" xmlns:r="http://schemas.openxmlformats.org/officeDocument/2006/relationships" xmlns:p="http://schemas.openxmlformats.org/presentationml/2006/main" show="0">
-  <p:cSld>
-    <p:spTree>
-      <p:nvGrpSpPr>
-        <p:cNvPr id="1" name=""/>
-        <p:cNvGrpSpPr/>
-        <p:nvPr/>
-      </p:nvGrpSpPr>
-      <p:grpSpPr>
-        <a:xfrm>
-          <a:off x="0" y="0"/>
-          <a:ext cx="0" cy="0"/>
-          <a:chOff x="0" y="0"/>
-          <a:chExt cx="0" cy="0"/>
-        </a:xfrm>
-      </p:grpSpPr>
-      <p:sp>
-        <p:nvSpPr>
-          <p:cNvPr id="2" name="Title 1"/>
-          <p:cNvSpPr>
-            <a:spLocks noGrp="1"/>
-          </p:cNvSpPr>
-          <p:nvPr>
-            <p:ph type="title"/>
-          </p:nvPr>
-        </p:nvSpPr>
-        <p:spPr/>
-        <p:txBody>
-          <a:bodyPr/>
-          <a:lstStyle/>
-          <a:p>
-            <a:r>
-              <a:rPr lang="en-US" dirty="0"/>
-              <a:t>Accumulated forward annotation</a:t>
-            </a:r>
-          </a:p>
-        </p:txBody>
-      </p:sp>
-      <p:sp>
-        <p:nvSpPr>
-          <p:cNvPr id="3" name="Content Placeholder 2"/>
-          <p:cNvSpPr>
-            <a:spLocks noGrp="1"/>
-          </p:cNvSpPr>
-          <p:nvPr>
-            <p:ph idx="1"/>
-          </p:nvPr>
-        </p:nvSpPr>
-        <p:spPr/>
-        <p:txBody>
-          <a:bodyPr/>
-          <a:lstStyle/>
-          <a:p>
-            <a:pPr marL="0" indent="0">
-              <a:buNone/>
-            </a:pPr>
-            <a:r>
-              <a:rPr lang="en-US" sz="2800" b="1" dirty="0" smtClean="0">
-                <a:solidFill>
-                  <a:srgbClr val="00B0F0"/>
-                </a:solidFill>
-              </a:rPr>
-              <a:t>System: What </a:t>
-            </a:r>
-            <a:r>
-              <a:rPr lang="en-US" sz="2800" b="1" dirty="0">
-                <a:solidFill>
-                  <a:srgbClr val="00B0F0"/>
-                </a:solidFill>
-              </a:rPr>
-              <a:t>kind of food would you like</a:t>
-            </a:r>
-            <a:r>
-              <a:rPr lang="en-US" sz="2800" b="1" dirty="0" smtClean="0">
-                <a:solidFill>
-                  <a:srgbClr val="00B0F0"/>
-                </a:solidFill>
-              </a:rPr>
-              <a:t>?</a:t>
-            </a:r>
-          </a:p>
-          <a:p>
-            <a:pPr marL="0" indent="0">
-              <a:buNone/>
-            </a:pPr>
-            <a:r>
-              <a:rPr lang="en-US" sz="2800" b="1" dirty="0" smtClean="0">
-                <a:solidFill>
-                  <a:srgbClr val="FFC000"/>
-                </a:solidFill>
-              </a:rPr>
-              <a:t>User: Does </a:t>
-            </a:r>
-            <a:r>
-              <a:rPr lang="en-US" sz="2800" b="1" dirty="0">
-                <a:solidFill>
-                  <a:srgbClr val="FFC000"/>
-                </a:solidFill>
-              </a:rPr>
-              <a:t>not matter  </a:t>
-            </a:r>
-            <a:r>
-              <a:rPr lang="en-US" sz="2800" b="1" dirty="0"/>
-              <a:t>-&gt; “food=</a:t>
-            </a:r>
-            <a:r>
-              <a:rPr lang="en-US" sz="2800" b="1" dirty="0" err="1"/>
-              <a:t>dontcare</a:t>
-            </a:r>
-            <a:r>
-              <a:rPr lang="en-US" sz="2800" b="1" dirty="0" smtClean="0"/>
-              <a:t>”</a:t>
-            </a:r>
-          </a:p>
-          <a:p>
-            <a:pPr marL="0" indent="0">
-              <a:buNone/>
-            </a:pPr>
-            <a:r>
-              <a:rPr lang="en-US" sz="2800" b="1" dirty="0"/>
-              <a:t>	</a:t>
-            </a:r>
-            <a:r>
-              <a:rPr lang="en-US" sz="2800" b="1" dirty="0" smtClean="0">
-                <a:solidFill>
-                  <a:srgbClr val="92D050"/>
-                </a:solidFill>
-              </a:rPr>
-              <a:t>ASR: </a:t>
-            </a:r>
-            <a:r>
-              <a:rPr lang="en-US" sz="2800" b="1" i="1" dirty="0">
-                <a:solidFill>
-                  <a:srgbClr val="92D050"/>
-                </a:solidFill>
-              </a:rPr>
-              <a:t>the phone number </a:t>
-            </a:r>
-            <a:endParaRPr lang="en-US" sz="2800" b="1" i="1" dirty="0" smtClean="0">
-              <a:solidFill>
-                <a:srgbClr val="92D050"/>
-              </a:solidFill>
-            </a:endParaRPr>
-          </a:p>
-          <a:p>
-            <a:pPr marL="0" indent="0">
-              <a:buNone/>
-            </a:pPr>
-            <a:r>
-              <a:rPr lang="en-US" sz="2800" b="1" dirty="0" smtClean="0">
-                <a:solidFill>
-                  <a:srgbClr val="00B0F0"/>
-                </a:solidFill>
-              </a:rPr>
-              <a:t>Case 1: Do you like Chinese food?</a:t>
-            </a:r>
-            <a:endParaRPr lang="en-US" sz="2800" b="1" dirty="0">
-              <a:solidFill>
-                <a:srgbClr val="00B0F0"/>
-              </a:solidFill>
-            </a:endParaRPr>
-          </a:p>
-          <a:p>
-            <a:pPr marL="0" indent="0">
-              <a:buNone/>
-            </a:pPr>
-            <a:r>
-              <a:rPr lang="en-US" sz="2800" b="1" dirty="0" smtClean="0">
-                <a:solidFill>
-                  <a:srgbClr val="FFC000"/>
-                </a:solidFill>
-              </a:rPr>
-              <a:t>User1: no </a:t>
-            </a:r>
-            <a:r>
-              <a:rPr lang="en-US" sz="2800" b="1" dirty="0" smtClean="0"/>
-              <a:t>-&gt; </a:t>
-            </a:r>
-            <a:r>
-              <a:rPr lang="en-US" sz="2800" b="1" dirty="0"/>
-              <a:t>“food=</a:t>
-            </a:r>
-            <a:r>
-              <a:rPr lang="en-US" sz="2800" b="1" dirty="0" err="1"/>
-              <a:t>dontcare</a:t>
-            </a:r>
-            <a:r>
-              <a:rPr lang="en-US" sz="2800" b="1" dirty="0" smtClean="0"/>
-              <a:t>”</a:t>
-            </a:r>
-            <a:endParaRPr lang="en-US" sz="2800" b="1" dirty="0" smtClean="0">
-              <a:solidFill>
-                <a:srgbClr val="FFC000"/>
-              </a:solidFill>
-            </a:endParaRPr>
-          </a:p>
-          <a:p>
-            <a:pPr marL="0" indent="0">
-              <a:buNone/>
-            </a:pPr>
-            <a:endParaRPr lang="en-US" sz="2800" b="1" dirty="0" smtClean="0">
-              <a:solidFill>
-                <a:srgbClr val="00B0F0"/>
-              </a:solidFill>
-            </a:endParaRPr>
-          </a:p>
-          <a:p>
-            <a:pPr marL="0" indent="0">
-              <a:buNone/>
-            </a:pPr>
-            <a:r>
-              <a:rPr lang="en-US" sz="2800" b="1" smtClean="0">
-                <a:solidFill>
-                  <a:srgbClr val="00B0F0"/>
-                </a:solidFill>
-              </a:rPr>
-              <a:t>Case 2: </a:t>
-            </a:r>
-            <a:r>
-              <a:rPr lang="en-US" sz="2800" b="1" dirty="0">
-                <a:solidFill>
-                  <a:srgbClr val="00B0F0"/>
-                </a:solidFill>
-              </a:rPr>
-              <a:t>What kind of food would you like?</a:t>
-            </a:r>
-          </a:p>
-          <a:p>
-            <a:pPr marL="0" indent="0">
-              <a:buNone/>
-            </a:pPr>
-            <a:r>
-              <a:rPr lang="en-US" sz="2800" b="1" dirty="0" smtClean="0">
-                <a:solidFill>
-                  <a:srgbClr val="FFC000"/>
-                </a:solidFill>
-              </a:rPr>
-              <a:t>User2: any type </a:t>
-            </a:r>
-            <a:r>
-              <a:rPr lang="en-US" sz="2800" b="1" dirty="0"/>
-              <a:t>-&gt; “food=</a:t>
-            </a:r>
-            <a:r>
-              <a:rPr lang="en-US" sz="2800" b="1" dirty="0" err="1"/>
-              <a:t>dontcare</a:t>
-            </a:r>
-            <a:r>
-              <a:rPr lang="en-US" sz="2800" b="1" dirty="0"/>
-              <a:t>”</a:t>
-            </a:r>
-            <a:endParaRPr lang="en-US" sz="2800" b="1" dirty="0" smtClean="0">
-              <a:solidFill>
-                <a:srgbClr val="FFC000"/>
-              </a:solidFill>
-            </a:endParaRPr>
-          </a:p>
-          <a:p>
-            <a:pPr marL="0" indent="0">
-              <a:buNone/>
-            </a:pPr>
-            <a:r>
-              <a:rPr lang="en-US" sz="2800" b="1" dirty="0">
-                <a:solidFill>
-                  <a:srgbClr val="FFC000"/>
-                </a:solidFill>
-              </a:rPr>
-              <a:t>	</a:t>
-            </a:r>
-            <a:r>
-              <a:rPr lang="en-US" sz="2800" b="1" dirty="0"/>
-              <a:t> </a:t>
-            </a:r>
-            <a:r>
-              <a:rPr lang="en-US" sz="2800" b="1" dirty="0" smtClean="0">
-                <a:solidFill>
-                  <a:srgbClr val="92D050"/>
-                </a:solidFill>
-              </a:rPr>
-              <a:t>ASR: any type</a:t>
-            </a:r>
-            <a:endParaRPr lang="en-US" sz="2800" dirty="0">
-              <a:solidFill>
-                <a:srgbClr val="92D050"/>
-              </a:solidFill>
-            </a:endParaRPr>
-          </a:p>
-        </p:txBody>
-      </p:sp>
-      <p:sp>
-        <p:nvSpPr>
-          <p:cNvPr id="4" name="Slide Number Placeholder 3"/>
-          <p:cNvSpPr>
-            <a:spLocks noGrp="1"/>
-          </p:cNvSpPr>
-          <p:nvPr>
-            <p:ph type="sldNum" sz="quarter" idx="12"/>
-          </p:nvPr>
-        </p:nvSpPr>
-        <p:spPr/>
-        <p:txBody>
-          <a:bodyPr/>
-          <a:lstStyle/>
-          <a:p>
-            <a:fld id="{0C913308-F349-4B6D-A68A-DD1791B4A57B}" type="slidenum">
-              <a:rPr lang="zh-CN" altLang="en-US" smtClean="0"/>
-              <a:pPr/>
-              <a:t>14</a:t>
-            </a:fld>
-            <a:endParaRPr lang="zh-CN" altLang="en-US"/>
-          </a:p>
-        </p:txBody>
-      </p:sp>
-    </p:spTree>
-    <p:extLst>
-      <p:ext uri="{BB962C8B-B14F-4D97-AF65-F5344CB8AC3E}">
-        <p14:creationId xmlns:p14="http://schemas.microsoft.com/office/powerpoint/2010/main" val="2130694748"/>
-      </p:ext>
-    </p:extLst>
-  </p:cSld>
-  <p:clrMapOvr>
-    <a:masterClrMapping/>
-  </p:clrMapOvr>
-  <mc:AlternateContent xmlns:mc="http://schemas.openxmlformats.org/markup-compatibility/2006" xmlns:p14="http://schemas.microsoft.com/office/powerpoint/2010/main">
-    <mc:Choice Requires="p14">
-      <p:transition spd="slow" p14:dur="2000"/>
-    </mc:Choice>
-    <mc:Fallback xmlns="">
-      <p:transition spd="slow"/>
-    </mc:Fallback>
-  </mc:AlternateContent>
-  <p:timing>
-    <p:tnLst>
-      <p:par>
-        <p:cTn id="1" dur="indefinite" restart="never" nodeType="tmRoot"/>
-      </p:par>
-    </p:tnLst>
-  </p:timing>
-</p:sld>
-</file>
-
-<file path=ppt/slides/slide15.xml><?xml version="1.0" encoding="utf-8"?>
-<p:sld xmlns:a="http://schemas.openxmlformats.org/drawingml/2006/main" xmlns:r="http://schemas.openxmlformats.org/officeDocument/2006/relationships" xmlns:p="http://schemas.openxmlformats.org/presentationml/2006/main" show="0">
-  <p:cSld>
-    <p:spTree>
-      <p:nvGrpSpPr>
-        <p:cNvPr id="1" name=""/>
-        <p:cNvGrpSpPr/>
-        <p:nvPr/>
-      </p:nvGrpSpPr>
-      <p:grpSpPr>
-        <a:xfrm>
-          <a:off x="0" y="0"/>
-          <a:ext cx="0" cy="0"/>
-          <a:chOff x="0" y="0"/>
-          <a:chExt cx="0" cy="0"/>
-        </a:xfrm>
-      </p:grpSpPr>
-      <p:sp>
-        <p:nvSpPr>
-          <p:cNvPr id="2" name="Title 1"/>
-          <p:cNvSpPr>
-            <a:spLocks noGrp="1"/>
-          </p:cNvSpPr>
-          <p:nvPr>
-            <p:ph type="title"/>
-          </p:nvPr>
-        </p:nvSpPr>
-        <p:spPr/>
-        <p:txBody>
-          <a:bodyPr/>
-          <a:lstStyle/>
-          <a:p>
-            <a:r>
-              <a:rPr lang="en-US" dirty="0"/>
-              <a:t>Missing </a:t>
-            </a:r>
-            <a:r>
-              <a:rPr lang="en-US" dirty="0" smtClean="0"/>
-              <a:t>Gold-standard</a:t>
-            </a:r>
-            <a:endParaRPr lang="en-US" dirty="0"/>
-          </a:p>
-        </p:txBody>
-      </p:sp>
-      <p:sp>
-        <p:nvSpPr>
-          <p:cNvPr id="3" name="Content Placeholder 2"/>
-          <p:cNvSpPr>
-            <a:spLocks noGrp="1"/>
-          </p:cNvSpPr>
-          <p:nvPr>
-            <p:ph idx="1"/>
-          </p:nvPr>
-        </p:nvSpPr>
-        <p:spPr/>
-        <p:txBody>
-          <a:bodyPr/>
-          <a:lstStyle/>
-          <a:p>
-            <a:r>
-              <a:rPr lang="en-US" dirty="0" smtClean="0"/>
-              <a:t>Assumptions: the SLU is correct if and only if:</a:t>
-            </a:r>
-          </a:p>
-          <a:p>
-            <a:pPr lvl="1"/>
-            <a:r>
-              <a:rPr lang="en-US" dirty="0" smtClean="0"/>
-              <a:t>it </a:t>
-            </a:r>
-            <a:r>
-              <a:rPr lang="en-US" dirty="0"/>
-              <a:t>matches the differences between the pervious correct answer and the current </a:t>
-            </a:r>
-            <a:r>
-              <a:rPr lang="en-US" dirty="0" smtClean="0"/>
-              <a:t>one</a:t>
-            </a:r>
-          </a:p>
-          <a:p>
-            <a:endParaRPr lang="en-US" dirty="0" smtClean="0"/>
-          </a:p>
-        </p:txBody>
-      </p:sp>
-      <p:sp>
-        <p:nvSpPr>
-          <p:cNvPr id="4" name="Slide Number Placeholder 3"/>
-          <p:cNvSpPr>
-            <a:spLocks noGrp="1"/>
-          </p:cNvSpPr>
-          <p:nvPr>
-            <p:ph type="sldNum" sz="quarter" idx="12"/>
-          </p:nvPr>
-        </p:nvSpPr>
-        <p:spPr/>
-        <p:txBody>
-          <a:bodyPr/>
-          <a:lstStyle/>
-          <a:p>
-            <a:fld id="{0C913308-F349-4B6D-A68A-DD1791B4A57B}" type="slidenum">
-              <a:rPr lang="zh-CN" altLang="en-US" smtClean="0"/>
-              <a:pPr/>
-              <a:t>15</a:t>
-            </a:fld>
-            <a:endParaRPr lang="zh-CN" altLang="en-US"/>
-          </a:p>
-        </p:txBody>
-      </p:sp>
-    </p:spTree>
-    <p:extLst>
-      <p:ext uri="{BB962C8B-B14F-4D97-AF65-F5344CB8AC3E}">
-        <p14:creationId xmlns:p14="http://schemas.microsoft.com/office/powerpoint/2010/main" val="212813361"/>
-      </p:ext>
-    </p:extLst>
-  </p:cSld>
-  <p:clrMapOvr>
-    <a:masterClrMapping/>
-  </p:clrMapOvr>
-  <mc:AlternateContent xmlns:mc="http://schemas.openxmlformats.org/markup-compatibility/2006" xmlns:p14="http://schemas.microsoft.com/office/powerpoint/2010/main">
-    <mc:Choice Requires="p14">
-      <p:transition spd="slow" p14:dur="2000"/>
-    </mc:Choice>
-    <mc:Fallback xmlns="">
-      <p:transition spd="slow"/>
-    </mc:Fallback>
-  </mc:AlternateContent>
   <p:timing>
     <p:tnLst>
       <p:par>
